--- a/documentation/presenation.pptx
+++ b/documentation/presenation.pptx
@@ -13003,7 +13003,7 @@
         </p:nvSpPr>
         <p:spPr>
           <a:xfrm>
-            <a:off x="2693750" y="3079668"/>
+            <a:off x="2693750" y="3095169"/>
             <a:ext cx="1731900" cy="923984"/>
           </a:xfrm>
           <a:prstGeom prst="rect">
@@ -13024,11 +13024,16 @@
                 <a:solidFill>
                   <a:schemeClr val="bg2"/>
                 </a:solidFill>
-                <a:latin typeface="Times New Roman" panose="02020603050405020304" pitchFamily="18" charset="0"/>
-                <a:cs typeface="Times New Roman" panose="02020603050405020304" pitchFamily="18" charset="0"/>
               </a:rPr>
-              <a:t>What have we done during the period.</a:t>
+              <a:t>Progress and milestones achieved in this period.</a:t>
             </a:r>
+            <a:endParaRPr lang="en-US" dirty="0">
+              <a:solidFill>
+                <a:schemeClr val="bg2"/>
+              </a:solidFill>
+              <a:latin typeface="Times New Roman" panose="02020603050405020304" pitchFamily="18" charset="0"/>
+              <a:cs typeface="Times New Roman" panose="02020603050405020304" pitchFamily="18" charset="0"/>
+            </a:endParaRPr>
           </a:p>
         </p:txBody>
       </p:sp>
@@ -13042,7 +13047,7 @@
         </p:nvSpPr>
         <p:spPr>
           <a:xfrm>
-            <a:off x="4702844" y="2479105"/>
+            <a:off x="4687946" y="2460429"/>
             <a:ext cx="1634700" cy="527700"/>
           </a:xfrm>
           <a:prstGeom prst="rect">
@@ -13358,8 +13363,8 @@
         </p:nvSpPr>
         <p:spPr>
           <a:xfrm>
-            <a:off x="4658945" y="3011071"/>
-            <a:ext cx="1731900" cy="923984"/>
+            <a:off x="4718352" y="3095169"/>
+            <a:ext cx="1731900" cy="748059"/>
           </a:xfrm>
           <a:prstGeom prst="rect">
             <a:avLst/>
@@ -13379,11 +13384,16 @@
                 <a:solidFill>
                   <a:schemeClr val="bg2"/>
                 </a:solidFill>
-                <a:latin typeface="Times New Roman" panose="02020603050405020304" pitchFamily="18" charset="0"/>
-                <a:cs typeface="Times New Roman" panose="02020603050405020304" pitchFamily="18" charset="0"/>
               </a:rPr>
-              <a:t>What have we done during the period.</a:t>
+              <a:t>Key activities and outcomes of the week.</a:t>
             </a:r>
+            <a:endParaRPr lang="en-US" dirty="0">
+              <a:solidFill>
+                <a:schemeClr val="bg2"/>
+              </a:solidFill>
+              <a:latin typeface="Times New Roman" panose="02020603050405020304" pitchFamily="18" charset="0"/>
+              <a:cs typeface="Times New Roman" panose="02020603050405020304" pitchFamily="18" charset="0"/>
+            </a:endParaRPr>
           </a:p>
         </p:txBody>
       </p:sp>
@@ -13713,8 +13723,8 @@
         </p:nvSpPr>
         <p:spPr>
           <a:xfrm>
-            <a:off x="6670871" y="2971992"/>
-            <a:ext cx="1849033" cy="1148906"/>
+            <a:off x="6644371" y="3095169"/>
+            <a:ext cx="1902034" cy="613500"/>
           </a:xfrm>
           <a:prstGeom prst="rect">
             <a:avLst/>
@@ -13734,11 +13744,16 @@
                 <a:solidFill>
                   <a:schemeClr val="bg2"/>
                 </a:solidFill>
-                <a:latin typeface="Times New Roman" panose="02020603050405020304" pitchFamily="18" charset="0"/>
-                <a:cs typeface="Times New Roman" panose="02020603050405020304" pitchFamily="18" charset="0"/>
               </a:rPr>
-              <a:t>What have we done during the period.</a:t>
+              <a:t>Summary of work and results accomplished.</a:t>
             </a:r>
+            <a:endParaRPr lang="en-US" dirty="0">
+              <a:solidFill>
+                <a:schemeClr val="bg2"/>
+              </a:solidFill>
+              <a:latin typeface="Times New Roman" panose="02020603050405020304" pitchFamily="18" charset="0"/>
+              <a:cs typeface="Times New Roman" panose="02020603050405020304" pitchFamily="18" charset="0"/>
+            </a:endParaRPr>
           </a:p>
         </p:txBody>
       </p:sp>
@@ -13754,8 +13769,8 @@
         </p:nvSpPr>
         <p:spPr>
           <a:xfrm>
-            <a:off x="663293" y="3086907"/>
-            <a:ext cx="1731900" cy="729686"/>
+            <a:off x="531897" y="3095169"/>
+            <a:ext cx="1987144" cy="994606"/>
           </a:xfrm>
           <a:prstGeom prst="rect">
             <a:avLst/>
@@ -13784,10 +13799,8 @@
                 <a:solidFill>
                   <a:schemeClr val="bg2"/>
                 </a:solidFill>
-                <a:latin typeface="Times New Roman" panose="02020603050405020304" pitchFamily="18" charset="0"/>
-                <a:cs typeface="Times New Roman" panose="02020603050405020304" pitchFamily="18" charset="0"/>
               </a:rPr>
-              <a:t>What have we done during the period.</a:t>
+              <a:t>Tasks and achievements completed during this week.</a:t>
             </a:r>
             <a:endParaRPr dirty="0">
               <a:solidFill>
